--- a/presentation.pptx
+++ b/presentation.pptx
@@ -11,6 +11,7 @@
     <p:sldId id="259" r:id="rId5"/>
     <p:sldId id="262" r:id="rId6"/>
     <p:sldId id="256" r:id="rId7"/>
+    <p:sldId id="263" r:id="rId8"/>
   </p:sldIdLst>
   <p:sldSz cx="9144000" cy="6858000" type="screen4x3"/>
   <p:notesSz cx="6858000" cy="9144000"/>
@@ -3704,6 +3705,100 @@
 </p:sld>
 </file>
 
+<file path=ppt/slides/slide7.xml><?xml version="1.0" encoding="utf-8"?>
+<p:sld xmlns:a="http://schemas.openxmlformats.org/drawingml/2006/main" xmlns:r="http://schemas.openxmlformats.org/officeDocument/2006/relationships" xmlns:p="http://schemas.openxmlformats.org/presentationml/2006/main">
+  <p:cSld>
+    <p:bg>
+      <p:bgPr>
+        <a:solidFill>
+          <a:schemeClr val="tx1">
+            <a:lumMod val="65000"/>
+          </a:schemeClr>
+        </a:solidFill>
+        <a:effectLst/>
+      </p:bgPr>
+    </p:bg>
+    <p:spTree>
+      <p:nvGrpSpPr>
+        <p:cNvPr id="1" name=""/>
+        <p:cNvGrpSpPr/>
+        <p:nvPr/>
+      </p:nvGrpSpPr>
+      <p:grpSpPr>
+        <a:xfrm>
+          <a:off x="0" y="0"/>
+          <a:ext cx="0" cy="0"/>
+          <a:chOff x="0" y="0"/>
+          <a:chExt cx="0" cy="0"/>
+        </a:xfrm>
+      </p:grpSpPr>
+      <p:sp>
+        <p:nvSpPr>
+          <p:cNvPr id="3" name="Content Placeholder 2"/>
+          <p:cNvSpPr>
+            <a:spLocks noGrp="1"/>
+          </p:cNvSpPr>
+          <p:nvPr>
+            <p:ph idx="1"/>
+          </p:nvPr>
+        </p:nvSpPr>
+        <p:spPr>
+          <a:xfrm>
+            <a:off x="457200" y="1752601"/>
+            <a:ext cx="8229600" cy="3022600"/>
+          </a:xfrm>
+        </p:spPr>
+        <p:txBody>
+          <a:bodyPr>
+            <a:noAutofit/>
+          </a:bodyPr>
+          <a:lstStyle/>
+          <a:p>
+            <a:r>
+              <a:rPr lang="en-US" sz="4800" dirty="0" smtClean="0">
+                <a:latin typeface="Avenir Black"/>
+                <a:cs typeface="Avenir Black"/>
+              </a:rPr>
+              <a:t>Advanced Scoring System</a:t>
+            </a:r>
+          </a:p>
+          <a:p>
+            <a:r>
+              <a:rPr lang="en-US" sz="4800" dirty="0" smtClean="0">
+                <a:latin typeface="Avenir Black"/>
+                <a:cs typeface="Avenir Black"/>
+              </a:rPr>
+              <a:t>Reward System</a:t>
+            </a:r>
+          </a:p>
+          <a:p>
+            <a:r>
+              <a:rPr lang="en-US" sz="4800" dirty="0" smtClean="0">
+                <a:latin typeface="Avenir Black"/>
+                <a:cs typeface="Avenir Black"/>
+              </a:rPr>
+              <a:t>Suggested Playlists</a:t>
+            </a:r>
+            <a:endParaRPr lang="en-US" sz="4800" dirty="0">
+              <a:latin typeface="Avenir Black"/>
+              <a:cs typeface="Avenir Black"/>
+            </a:endParaRPr>
+          </a:p>
+        </p:txBody>
+      </p:sp>
+    </p:spTree>
+    <p:extLst>
+      <p:ext uri="{BB962C8B-B14F-4D97-AF65-F5344CB8AC3E}">
+        <p14:creationId xmlns:p14="http://schemas.microsoft.com/office/powerpoint/2010/main" val="664715071"/>
+      </p:ext>
+    </p:extLst>
+  </p:cSld>
+  <p:clrMapOvr>
+    <a:masterClrMapping/>
+  </p:clrMapOvr>
+</p:sld>
+</file>
+
 <file path=ppt/theme/theme1.xml><?xml version="1.0" encoding="utf-8"?>
 <a:theme xmlns:a="http://schemas.openxmlformats.org/drawingml/2006/main" name=" Black ">
   <a:themeElements>
